--- a/[FastCampus] 2주차_강의자료_김경원박사.pptx
+++ b/[FastCampus] 2주차_강의자료_김경원박사.pptx
@@ -251,7 +251,7 @@
           <a:p>
             <a:fld id="{FC718EE8-BF93-4A17-BED5-FC99EECA5FC7}" type="datetimeFigureOut">
               <a:rPr lang="ko-KR" altLang="en-US" smtClean="0"/>
-              <a:t>2020-01-04</a:t>
+              <a:t>2020-06-08</a:t>
             </a:fld>
             <a:endParaRPr lang="ko-KR" altLang="en-US"/>
           </a:p>
@@ -416,7 +416,7 @@
           <a:p>
             <a:fld id="{6101F873-BA02-446B-9127-C4DE4310B943}" type="datetimeFigureOut">
               <a:rPr lang="ko-KR" altLang="en-US" smtClean="0"/>
-              <a:t>2020-01-04</a:t>
+              <a:t>2020-06-08</a:t>
             </a:fld>
             <a:endParaRPr lang="ko-KR" altLang="en-US"/>
           </a:p>
@@ -1006,7 +1006,7 @@
           <a:p>
             <a:fld id="{89B5E594-86C5-4F1D-8812-38DF40064943}" type="datetime1">
               <a:rPr lang="ko-KR" altLang="en-US" smtClean="0"/>
-              <a:t>2020-01-04</a:t>
+              <a:t>2020-06-08</a:t>
             </a:fld>
             <a:endParaRPr lang="ko-KR" altLang="en-US"/>
           </a:p>
@@ -1214,7 +1214,7 @@
           <a:p>
             <a:fld id="{05C0B17C-522D-4CD8-8139-01EDEBAB2AF6}" type="datetime1">
               <a:rPr lang="ko-KR" altLang="en-US" smtClean="0"/>
-              <a:t>2020-01-04</a:t>
+              <a:t>2020-06-08</a:t>
             </a:fld>
             <a:endParaRPr lang="ko-KR" altLang="en-US"/>
           </a:p>
@@ -1392,7 +1392,7 @@
           <a:p>
             <a:fld id="{7345261C-38F3-40E7-AAA6-CE27B727AA65}" type="datetime1">
               <a:rPr lang="ko-KR" altLang="en-US" smtClean="0"/>
-              <a:t>2020-01-04</a:t>
+              <a:t>2020-06-08</a:t>
             </a:fld>
             <a:endParaRPr lang="ko-KR" altLang="en-US"/>
           </a:p>
@@ -1560,7 +1560,7 @@
           <a:p>
             <a:fld id="{A8472951-AD8C-47B8-8787-30E2F4BFA1EA}" type="datetime1">
               <a:rPr lang="ko-KR" altLang="en-US" smtClean="0"/>
-              <a:t>2020-01-04</a:t>
+              <a:t>2020-06-08</a:t>
             </a:fld>
             <a:endParaRPr lang="ko-KR" altLang="en-US"/>
           </a:p>
@@ -1815,7 +1815,7 @@
           <a:p>
             <a:fld id="{8BCB1BBF-13D1-46E6-8B8B-C9F26A0BAD91}" type="datetime1">
               <a:rPr lang="ko-KR" altLang="en-US" smtClean="0"/>
-              <a:t>2020-01-04</a:t>
+              <a:t>2020-06-08</a:t>
             </a:fld>
             <a:endParaRPr lang="ko-KR" altLang="en-US"/>
           </a:p>
@@ -2100,7 +2100,7 @@
           <a:p>
             <a:fld id="{B16FDC3D-FD6A-49DF-B101-11717D57279F}" type="datetime1">
               <a:rPr lang="ko-KR" altLang="en-US" smtClean="0"/>
-              <a:t>2020-01-04</a:t>
+              <a:t>2020-06-08</a:t>
             </a:fld>
             <a:endParaRPr lang="ko-KR" altLang="en-US"/>
           </a:p>
@@ -2519,7 +2519,7 @@
           <a:p>
             <a:fld id="{42D411A2-FD90-4A19-98A8-25197A66BC26}" type="datetime1">
               <a:rPr lang="ko-KR" altLang="en-US" smtClean="0"/>
-              <a:t>2020-01-04</a:t>
+              <a:t>2020-06-08</a:t>
             </a:fld>
             <a:endParaRPr lang="ko-KR" altLang="en-US"/>
           </a:p>
@@ -2636,7 +2636,7 @@
           <a:p>
             <a:fld id="{F6E6B532-6471-449A-9A2F-4428556C2F98}" type="datetime1">
               <a:rPr lang="ko-KR" altLang="en-US" smtClean="0"/>
-              <a:t>2020-01-04</a:t>
+              <a:t>2020-06-08</a:t>
             </a:fld>
             <a:endParaRPr lang="ko-KR" altLang="en-US"/>
           </a:p>
@@ -2731,7 +2731,7 @@
           <a:p>
             <a:fld id="{45A9E13B-856D-4562-A86D-A2B6F7BF810F}" type="datetime1">
               <a:rPr lang="ko-KR" altLang="en-US" smtClean="0"/>
-              <a:t>2020-01-04</a:t>
+              <a:t>2020-06-08</a:t>
             </a:fld>
             <a:endParaRPr lang="ko-KR" altLang="en-US"/>
           </a:p>
@@ -3006,7 +3006,7 @@
           <a:p>
             <a:fld id="{A672FB3A-7E9E-4380-9381-6FCA87FBB41A}" type="datetime1">
               <a:rPr lang="ko-KR" altLang="en-US" smtClean="0"/>
-              <a:t>2020-01-04</a:t>
+              <a:t>2020-06-08</a:t>
             </a:fld>
             <a:endParaRPr lang="ko-KR" altLang="en-US"/>
           </a:p>
@@ -3258,7 +3258,7 @@
           <a:p>
             <a:fld id="{3948CCBA-1514-4E9E-888A-807450F810B0}" type="datetime1">
               <a:rPr lang="ko-KR" altLang="en-US" smtClean="0"/>
-              <a:t>2020-01-04</a:t>
+              <a:t>2020-06-08</a:t>
             </a:fld>
             <a:endParaRPr lang="ko-KR" altLang="en-US"/>
           </a:p>
@@ -3471,7 +3471,7 @@
           <a:p>
             <a:fld id="{170EDEE7-370E-499F-B978-ABF387098974}" type="datetime1">
               <a:rPr lang="ko-KR" altLang="en-US" smtClean="0"/>
-              <a:t>2020-01-04</a:t>
+              <a:t>2020-06-08</a:t>
             </a:fld>
             <a:endParaRPr lang="ko-KR" altLang="en-US" dirty="0"/>
           </a:p>
@@ -6417,6 +6417,36 @@
           <a:chExt cx="0" cy="0"/>
         </a:xfrm>
       </p:grpSpPr>
+      <p:pic>
+        <p:nvPicPr>
+          <p:cNvPr id="3" name="그림 2">
+            <a:extLst>
+              <a:ext uri="{FF2B5EF4-FFF2-40B4-BE49-F238E27FC236}">
+                <a16:creationId xmlns:a16="http://schemas.microsoft.com/office/drawing/2014/main" id="{A580D6C3-84A1-48FC-8D65-1523C91E8B2D}"/>
+              </a:ext>
+            </a:extLst>
+          </p:cNvPr>
+          <p:cNvPicPr>
+            <a:picLocks noChangeAspect="1"/>
+          </p:cNvPicPr>
+          <p:nvPr/>
+        </p:nvPicPr>
+        <p:blipFill>
+          <a:blip r:embed="rId3"/>
+          <a:stretch>
+            <a:fillRect/>
+          </a:stretch>
+        </p:blipFill>
+        <p:spPr>
+          <a:xfrm>
+            <a:off x="4514943" y="0"/>
+            <a:ext cx="7645307" cy="6840538"/>
+          </a:xfrm>
+          <a:prstGeom prst="rect">
+            <a:avLst/>
+          </a:prstGeom>
+        </p:spPr>
+      </p:pic>
       <p:sp>
         <p:nvSpPr>
           <p:cNvPr id="4" name="슬라이드 번호 개체 틀 3"/>
@@ -6757,42 +6787,6 @@
           </a:p>
         </p:txBody>
       </p:sp>
-      <p:pic>
-        <p:nvPicPr>
-          <p:cNvPr id="6" name="그림 5">
-            <a:extLst>
-              <a:ext uri="{FF2B5EF4-FFF2-40B4-BE49-F238E27FC236}">
-                <a16:creationId xmlns:a16="http://schemas.microsoft.com/office/drawing/2014/main" id="{DB5EDEC6-8B0A-462F-8B63-AB96D03FE054}"/>
-              </a:ext>
-            </a:extLst>
-          </p:cNvPr>
-          <p:cNvPicPr>
-            <a:picLocks noChangeAspect="1"/>
-          </p:cNvPicPr>
-          <p:nvPr/>
-        </p:nvPicPr>
-        <p:blipFill>
-          <a:blip r:embed="rId3">
-            <a:extLst>
-              <a:ext uri="{28A0092B-C50C-407E-A947-70E740481C1C}">
-                <a14:useLocalDpi xmlns:a14="http://schemas.microsoft.com/office/drawing/2010/main" val="0"/>
-              </a:ext>
-            </a:extLst>
-          </a:blip>
-          <a:stretch>
-            <a:fillRect/>
-          </a:stretch>
-        </p:blipFill>
-        <p:spPr>
-          <a:xfrm>
-            <a:off x="4604447" y="5246"/>
-            <a:ext cx="7555803" cy="6840538"/>
-          </a:xfrm>
-          <a:prstGeom prst="rect">
-            <a:avLst/>
-          </a:prstGeom>
-        </p:spPr>
-      </p:pic>
       <p:sp>
         <p:nvSpPr>
           <p:cNvPr id="2" name="TextBox 1">
@@ -6807,8 +6801,8 @@
         </p:nvSpPr>
         <p:spPr>
           <a:xfrm>
-            <a:off x="8312373" y="539949"/>
-            <a:ext cx="3685698" cy="2462213"/>
+            <a:off x="4626675" y="1235703"/>
+            <a:ext cx="7371396" cy="1446550"/>
           </a:xfrm>
           <a:prstGeom prst="rect">
             <a:avLst/>
@@ -6825,15 +6819,6 @@
             <a:spAutoFit/>
           </a:bodyPr>
           <a:lstStyle/>
-          <a:p>
-            <a:endParaRPr lang="en-US" altLang="ko-KR" dirty="0"/>
-          </a:p>
-          <a:p>
-            <a:endParaRPr lang="en-US" altLang="ko-KR" dirty="0"/>
-          </a:p>
-          <a:p>
-            <a:endParaRPr lang="en-US" altLang="ko-KR" dirty="0"/>
-          </a:p>
           <a:p>
             <a:endParaRPr lang="en-US" altLang="ko-KR" dirty="0"/>
           </a:p>
@@ -7090,10 +7075,10 @@
       </p:sp>
       <p:pic>
         <p:nvPicPr>
-          <p:cNvPr id="3" name="그림 2">
+          <p:cNvPr id="2" name="그림 1">
             <a:extLst>
               <a:ext uri="{FF2B5EF4-FFF2-40B4-BE49-F238E27FC236}">
-                <a16:creationId xmlns:a16="http://schemas.microsoft.com/office/drawing/2014/main" id="{67F499C8-3FD0-48A7-BDFD-F5857E0E9AA3}"/>
+                <a16:creationId xmlns:a16="http://schemas.microsoft.com/office/drawing/2014/main" id="{0D677C71-D063-4C93-9E2C-D00616BE341A}"/>
               </a:ext>
             </a:extLst>
           </p:cNvPr>
@@ -7110,8 +7095,8 @@
         </p:blipFill>
         <p:spPr>
           <a:xfrm>
-            <a:off x="3046141" y="1620069"/>
-            <a:ext cx="6067967" cy="4110955"/>
+            <a:off x="3475037" y="377031"/>
+            <a:ext cx="5210175" cy="6086475"/>
           </a:xfrm>
           <a:prstGeom prst="rect">
             <a:avLst/>
